--- a/教案/版本控制与团队协作.pptx
+++ b/教案/版本控制与团队协作.pptx
@@ -630,7 +630,7 @@
             <a:fld id="{B61BEF0D-F0BB-DE4B-95CE-6DB70DBA9567}" type="datetimeFigureOut">
               <a:rPr lang="en-US" smtClean="0"/>
               <a:pPr/>
-              <a:t>12/9/2018</a:t>
+              <a:t>12/18/2018</a:t>
             </a:fld>
             <a:endParaRPr lang="en-US" dirty="0"/>
           </a:p>
@@ -964,7 +964,7 @@
             <a:fld id="{B61BEF0D-F0BB-DE4B-95CE-6DB70DBA9567}" type="datetimeFigureOut">
               <a:rPr lang="en-US" smtClean="0"/>
               <a:pPr/>
-              <a:t>12/9/2018</a:t>
+              <a:t>12/18/2018</a:t>
             </a:fld>
             <a:endParaRPr lang="en-US" dirty="0"/>
           </a:p>
@@ -1365,7 +1365,7 @@
             <a:fld id="{B61BEF0D-F0BB-DE4B-95CE-6DB70DBA9567}" type="datetimeFigureOut">
               <a:rPr lang="en-US" smtClean="0"/>
               <a:pPr/>
-              <a:t>12/9/2018</a:t>
+              <a:t>12/18/2018</a:t>
             </a:fld>
             <a:endParaRPr lang="en-US" dirty="0"/>
           </a:p>
@@ -1701,7 +1701,7 @@
             <a:fld id="{B61BEF0D-F0BB-DE4B-95CE-6DB70DBA9567}" type="datetimeFigureOut">
               <a:rPr lang="en-US" smtClean="0"/>
               <a:pPr/>
-              <a:t>12/9/2018</a:t>
+              <a:t>12/18/2018</a:t>
             </a:fld>
             <a:endParaRPr lang="en-US" dirty="0"/>
           </a:p>
@@ -2021,7 +2021,7 @@
             <a:fld id="{B61BEF0D-F0BB-DE4B-95CE-6DB70DBA9567}" type="datetimeFigureOut">
               <a:rPr lang="en-US" smtClean="0"/>
               <a:pPr/>
-              <a:t>12/9/2018</a:t>
+              <a:t>12/18/2018</a:t>
             </a:fld>
             <a:endParaRPr lang="en-US" dirty="0"/>
           </a:p>
@@ -2417,7 +2417,7 @@
             <a:fld id="{B61BEF0D-F0BB-DE4B-95CE-6DB70DBA9567}" type="datetimeFigureOut">
               <a:rPr lang="en-US" smtClean="0"/>
               <a:pPr/>
-              <a:t>12/9/2018</a:t>
+              <a:t>12/18/2018</a:t>
             </a:fld>
             <a:endParaRPr lang="en-US" dirty="0"/>
           </a:p>
@@ -2674,7 +2674,7 @@
             <a:fld id="{B61BEF0D-F0BB-DE4B-95CE-6DB70DBA9567}" type="datetimeFigureOut">
               <a:rPr lang="en-US" smtClean="0"/>
               <a:pPr/>
-              <a:t>12/9/2018</a:t>
+              <a:t>12/18/2018</a:t>
             </a:fld>
             <a:endParaRPr lang="en-US" dirty="0"/>
           </a:p>
@@ -2936,7 +2936,7 @@
             <a:fld id="{B61BEF0D-F0BB-DE4B-95CE-6DB70DBA9567}" type="datetimeFigureOut">
               <a:rPr lang="en-US" smtClean="0"/>
               <a:pPr/>
-              <a:t>12/9/2018</a:t>
+              <a:t>12/18/2018</a:t>
             </a:fld>
             <a:endParaRPr lang="en-US" dirty="0"/>
           </a:p>
@@ -3245,7 +3245,7 @@
             <a:fld id="{B61BEF0D-F0BB-DE4B-95CE-6DB70DBA9567}" type="datetimeFigureOut">
               <a:rPr lang="en-US" smtClean="0"/>
               <a:pPr/>
-              <a:t>12/9/2018</a:t>
+              <a:t>12/18/2018</a:t>
             </a:fld>
             <a:endParaRPr lang="en-US" dirty="0"/>
           </a:p>
@@ -3574,7 +3574,7 @@
             <a:fld id="{B61BEF0D-F0BB-DE4B-95CE-6DB70DBA9567}" type="datetimeFigureOut">
               <a:rPr lang="en-US" smtClean="0"/>
               <a:pPr/>
-              <a:t>12/9/2018</a:t>
+              <a:t>12/18/2018</a:t>
             </a:fld>
             <a:endParaRPr lang="en-US" dirty="0"/>
           </a:p>
@@ -3897,7 +3897,7 @@
             <a:fld id="{B61BEF0D-F0BB-DE4B-95CE-6DB70DBA9567}" type="datetimeFigureOut">
               <a:rPr lang="en-US" smtClean="0"/>
               <a:pPr/>
-              <a:t>12/9/2018</a:t>
+              <a:t>12/18/2018</a:t>
             </a:fld>
             <a:endParaRPr lang="en-US" dirty="0"/>
           </a:p>
@@ -4354,7 +4354,7 @@
             <a:fld id="{B61BEF0D-F0BB-DE4B-95CE-6DB70DBA9567}" type="datetimeFigureOut">
               <a:rPr lang="en-US" smtClean="0"/>
               <a:pPr/>
-              <a:t>12/9/2018</a:t>
+              <a:t>12/18/2018</a:t>
             </a:fld>
             <a:endParaRPr lang="en-US" dirty="0"/>
           </a:p>
@@ -4564,7 +4564,7 @@
             <a:fld id="{B61BEF0D-F0BB-DE4B-95CE-6DB70DBA9567}" type="datetimeFigureOut">
               <a:rPr lang="en-US" smtClean="0"/>
               <a:pPr/>
-              <a:t>12/9/2018</a:t>
+              <a:t>12/18/2018</a:t>
             </a:fld>
             <a:endParaRPr lang="en-US" dirty="0"/>
           </a:p>
@@ -4741,7 +4741,7 @@
             <a:fld id="{B61BEF0D-F0BB-DE4B-95CE-6DB70DBA9567}" type="datetimeFigureOut">
               <a:rPr lang="en-US" smtClean="0"/>
               <a:pPr/>
-              <a:t>12/9/2018</a:t>
+              <a:t>12/18/2018</a:t>
             </a:fld>
             <a:endParaRPr lang="en-US" dirty="0"/>
           </a:p>
@@ -5074,7 +5074,7 @@
             <a:fld id="{B61BEF0D-F0BB-DE4B-95CE-6DB70DBA9567}" type="datetimeFigureOut">
               <a:rPr lang="en-US" smtClean="0"/>
               <a:pPr/>
-              <a:t>12/9/2018</a:t>
+              <a:t>12/18/2018</a:t>
             </a:fld>
             <a:endParaRPr lang="en-US" dirty="0"/>
           </a:p>
@@ -5419,7 +5419,7 @@
             <a:fld id="{B61BEF0D-F0BB-DE4B-95CE-6DB70DBA9567}" type="datetimeFigureOut">
               <a:rPr lang="en-US" smtClean="0"/>
               <a:pPr/>
-              <a:t>12/9/2018</a:t>
+              <a:t>12/18/2018</a:t>
             </a:fld>
             <a:endParaRPr lang="en-US" dirty="0"/>
           </a:p>
@@ -7536,7 +7536,7 @@
             <a:fld id="{B61BEF0D-F0BB-DE4B-95CE-6DB70DBA9567}" type="datetimeFigureOut">
               <a:rPr lang="en-US" smtClean="0"/>
               <a:pPr/>
-              <a:t>12/9/2018</a:t>
+              <a:t>12/18/2018</a:t>
             </a:fld>
             <a:endParaRPr lang="en-US" dirty="0"/>
           </a:p>
@@ -10523,7 +10523,7 @@
             </a:r>
             <a:r>
               <a:rPr lang="en-US" altLang="zh-CN" dirty="0"/>
-              <a:t>TFS</a:t>
+              <a:t>DevOps(TFS)</a:t>
             </a:r>
             <a:endParaRPr lang="zh-CN" altLang="en-US" dirty="0"/>
           </a:p>
@@ -10546,7 +10546,7 @@
           <a:p>
             <a:r>
               <a:rPr lang="en-US" altLang="zh-CN" dirty="0"/>
-              <a:t>Team Foundation Server</a:t>
+              <a:t>DevOps -- Team Foundation Server</a:t>
             </a:r>
           </a:p>
           <a:p>
